--- a/Weekly Meetings/HEP_Weekly_17Mar2021.pptx
+++ b/Weekly Meetings/HEP_Weekly_17Mar2021.pptx
@@ -7859,8 +7859,8 @@
         </p:nvSpPr>
         <p:spPr>
           <a:xfrm>
-            <a:off x="182879" y="474345"/>
-            <a:ext cx="10520413" cy="3693319"/>
+            <a:off x="182879" y="600982"/>
+            <a:ext cx="11826242" cy="3693319"/>
           </a:xfrm>
           <a:prstGeom prst="rect">
             <a:avLst/>
@@ -7926,6 +7926,24 @@
             </a:r>
           </a:p>
           <a:p>
+            <a:pPr marL="1200150" lvl="2" indent="-285750">
+              <a:buFont typeface="Arial" panose="020B0604020202020204" pitchFamily="34" charset="0"/>
+              <a:buChar char="•"/>
+            </a:pPr>
+            <a:r>
+              <a:rPr lang="en-US" dirty="0">
+                <a:solidFill>
+                  <a:schemeClr val="tx1">
+                    <a:lumMod val="95000"/>
+                    <a:lumOff val="5000"/>
+                  </a:schemeClr>
+                </a:solidFill>
+                <a:sym typeface="Wingdings" pitchFamily="2" charset="2"/>
+              </a:rPr>
+              <a:t>Integrated angular variables</a:t>
+            </a:r>
+          </a:p>
+          <a:p>
             <a:pPr marL="742950" lvl="1" indent="-285750">
               <a:buFont typeface="Arial" panose="020B0604020202020204" pitchFamily="34" charset="0"/>
               <a:buChar char="•"/>
@@ -7962,6 +7980,24 @@
             </a:r>
           </a:p>
           <a:p>
+            <a:pPr marL="1200150" lvl="2" indent="-285750">
+              <a:buFont typeface="Arial" panose="020B0604020202020204" pitchFamily="34" charset="0"/>
+              <a:buChar char="•"/>
+            </a:pPr>
+            <a:r>
+              <a:rPr lang="en-US" dirty="0">
+                <a:solidFill>
+                  <a:schemeClr val="tx1">
+                    <a:lumMod val="95000"/>
+                    <a:lumOff val="5000"/>
+                  </a:schemeClr>
+                </a:solidFill>
+                <a:sym typeface="Wingdings" pitchFamily="2" charset="2"/>
+              </a:rPr>
+              <a:t>Particle level also</a:t>
+            </a:r>
+          </a:p>
+          <a:p>
             <a:pPr marL="742950" lvl="1" indent="-285750">
               <a:buFont typeface="Arial" panose="020B0604020202020204" pitchFamily="34" charset="0"/>
               <a:buChar char="•"/>
@@ -7978,17 +8014,7 @@
               </a:rPr>
               <a:t>Looking into results without matching</a:t>
             </a:r>
-            <a:endParaRPr lang="en-US" u="sng" dirty="0">
-              <a:sym typeface="Wingdings" pitchFamily="2" charset="2"/>
-            </a:endParaRPr>
-          </a:p>
-          <a:p>
-            <a:endParaRPr lang="en-US" u="sng" dirty="0">
-              <a:sym typeface="Wingdings" pitchFamily="2" charset="2"/>
-            </a:endParaRPr>
-          </a:p>
-          <a:p>
-            <a:endParaRPr lang="en-US" u="sng" dirty="0">
+            <a:endParaRPr lang="en-US" dirty="0">
               <a:sym typeface="Wingdings" pitchFamily="2" charset="2"/>
             </a:endParaRPr>
           </a:p>
@@ -8070,10 +8096,40 @@
               <a:buChar char="•"/>
             </a:pPr>
             <a:r>
+              <a:rPr lang="en-US" dirty="0" err="1">
+                <a:sym typeface="Wingdings" pitchFamily="2" charset="2"/>
+              </a:rPr>
+              <a:t>mJJ</a:t>
+            </a:r>
+            <a:r>
               <a:rPr lang="en-US" dirty="0">
                 <a:sym typeface="Wingdings" pitchFamily="2" charset="2"/>
               </a:rPr>
-              <a:t>Must compute the XSEC </a:t>
+              <a:t> cut is now 1 </a:t>
+            </a:r>
+            <a:r>
+              <a:rPr lang="en-US" dirty="0" err="1">
+                <a:sym typeface="Wingdings" pitchFamily="2" charset="2"/>
+              </a:rPr>
+              <a:t>TeV</a:t>
+            </a:r>
+            <a:r>
+              <a:rPr lang="en-US" dirty="0">
+                <a:sym typeface="Wingdings" pitchFamily="2" charset="2"/>
+              </a:rPr>
+              <a:t> as in the </a:t>
+            </a:r>
+            <a:r>
+              <a:rPr lang="en-US" dirty="0" err="1">
+                <a:sym typeface="Wingdings" pitchFamily="2" charset="2"/>
+              </a:rPr>
+              <a:t>ttX</a:t>
+            </a:r>
+            <a:r>
+              <a:rPr lang="en-US" dirty="0">
+                <a:sym typeface="Wingdings" pitchFamily="2" charset="2"/>
+              </a:rPr>
+              <a:t> analysis</a:t>
             </a:r>
           </a:p>
           <a:p>
@@ -8082,40 +8138,27 @@
               <a:buChar char="•"/>
             </a:pPr>
             <a:r>
-              <a:rPr lang="en-US" dirty="0" err="1">
-                <a:sym typeface="Wingdings" pitchFamily="2" charset="2"/>
-              </a:rPr>
-              <a:t>mJJ</a:t>
-            </a:r>
-            <a:r>
               <a:rPr lang="en-US" dirty="0">
                 <a:sym typeface="Wingdings" pitchFamily="2" charset="2"/>
               </a:rPr>
-              <a:t> cut is now 1 </a:t>
-            </a:r>
-            <a:r>
-              <a:rPr lang="en-US" dirty="0" err="1">
-                <a:sym typeface="Wingdings" pitchFamily="2" charset="2"/>
+              <a:t>Calculation of XSEC using </a:t>
+            </a:r>
+            <a:r>
+              <a:rPr lang="en-GB" dirty="0">
+                <a:hlinkClick r:id="rId3"/>
               </a:rPr>
-              <a:t>TeV</a:t>
-            </a:r>
-            <a:r>
-              <a:rPr lang="en-US" dirty="0">
-                <a:sym typeface="Wingdings" pitchFamily="2" charset="2"/>
-              </a:rPr>
-              <a:t> as in the </a:t>
-            </a:r>
-            <a:r>
-              <a:rPr lang="en-US" dirty="0" err="1">
-                <a:sym typeface="Wingdings" pitchFamily="2" charset="2"/>
-              </a:rPr>
-              <a:t>ttX</a:t>
-            </a:r>
-            <a:r>
-              <a:rPr lang="en-US" dirty="0">
-                <a:sym typeface="Wingdings" pitchFamily="2" charset="2"/>
-              </a:rPr>
-              <a:t> analysis</a:t>
+              <a:t>GenXSecAnalyzer</a:t>
+            </a:r>
+            <a:endParaRPr lang="en-GB" dirty="0"/>
+          </a:p>
+          <a:p>
+            <a:pPr marL="742950" lvl="1" indent="-285750">
+              <a:buFont typeface="Arial" panose="020B0604020202020204" pitchFamily="34" charset="0"/>
+              <a:buChar char="•"/>
+            </a:pPr>
+            <a:r>
+              <a:rPr lang="en-GB" dirty="0"/>
+              <a:t>Results (work in progress, something is not looking good)</a:t>
             </a:r>
           </a:p>
         </p:txBody>
@@ -8134,8 +8177,8 @@
         </p:nvSpPr>
         <p:spPr>
           <a:xfrm>
-            <a:off x="5319097" y="3293572"/>
-            <a:ext cx="6872903" cy="2462213"/>
+            <a:off x="249733" y="3210030"/>
+            <a:ext cx="6872903" cy="3046988"/>
           </a:xfrm>
           <a:prstGeom prst="rect">
             <a:avLst/>
@@ -8148,79 +8191,79 @@
           <a:lstStyle/>
           <a:p>
             <a:r>
-              <a:rPr lang="en-GB" sz="1400" b="1" dirty="0">
+              <a:rPr lang="en-GB" sz="1600" b="1" dirty="0">
                 <a:latin typeface=".SF NS Text"/>
               </a:rPr>
               <a:t>1% width:</a:t>
             </a:r>
             <a:r>
-              <a:rPr lang="en-GB" sz="1400" dirty="0">
+              <a:rPr lang="en-GB" sz="1600" dirty="0">
                 <a:latin typeface=".SF NS Text"/>
               </a:rPr>
               <a:t> </a:t>
             </a:r>
             <a:r>
-              <a:rPr lang="en-GB" sz="1400" b="1" dirty="0">
+              <a:rPr lang="en-GB" sz="1600" b="1" dirty="0">
                 <a:latin typeface=".SF NS Text"/>
               </a:rPr>
               <a:t>(</a:t>
             </a:r>
             <a:r>
-              <a:rPr lang="en-GB" sz="1400" dirty="0">
+              <a:rPr lang="en-GB" sz="1600" dirty="0">
                 <a:latin typeface=".SF NS Text"/>
               </a:rPr>
               <a:t>dataset name</a:t>
             </a:r>
             <a:r>
-              <a:rPr lang="en-GB" sz="1400" b="1" dirty="0">
+              <a:rPr lang="en-GB" sz="1600" b="1" dirty="0">
                 <a:latin typeface=".SF NS Text"/>
               </a:rPr>
               <a:t>: </a:t>
             </a:r>
             <a:r>
-              <a:rPr lang="en-GB" sz="1400" dirty="0" err="1">
+              <a:rPr lang="en-GB" sz="1600" dirty="0" err="1">
                 <a:latin typeface=".SF NS Text"/>
               </a:rPr>
               <a:t>ZPrimeToTT_M</a:t>
             </a:r>
             <a:r>
-              <a:rPr lang="en-GB" sz="1400" dirty="0">
+              <a:rPr lang="en-GB" sz="1600" dirty="0">
                 <a:latin typeface=".SF NS Text"/>
               </a:rPr>
               <a:t>*_TuneCP2_13TeV-madgraph-pythia8</a:t>
             </a:r>
             <a:r>
-              <a:rPr lang="en-GB" sz="1400" b="1" dirty="0">
+              <a:rPr lang="en-GB" sz="1600" b="1" dirty="0">
                 <a:latin typeface=".SF NS Text"/>
               </a:rPr>
               <a:t>)</a:t>
             </a:r>
             <a:br>
-              <a:rPr lang="en-GB" sz="1400" dirty="0">
+              <a:rPr lang="en-GB" sz="1600" dirty="0">
                 <a:latin typeface=".SF NS Text"/>
               </a:rPr>
             </a:br>
             <a:r>
-              <a:rPr lang="en-GB" sz="1400" dirty="0">
+              <a:rPr lang="en-GB" sz="1600" dirty="0">
                 <a:latin typeface=".SF NS Text"/>
               </a:rPr>
               <a:t>2016   </a:t>
             </a:r>
             <a:r>
-              <a:rPr lang="en-GB" sz="1400" dirty="0">
+              <a:rPr lang="en-GB" sz="1600" dirty="0">
                 <a:latin typeface=".SF NS Text"/>
-                <a:hlinkClick r:id="rId3"/>
+                <a:hlinkClick r:id="rId4"/>
               </a:rPr>
               <a:t>B2G-2020Nov18-00005</a:t>
             </a:r>
             <a:r>
-              <a:rPr lang="en-GB" sz="1400" dirty="0">
+              <a:rPr lang="en-GB" sz="1600" dirty="0">
                 <a:latin typeface=".SF NS Text"/>
               </a:rPr>
               <a:t>   17 samples  </a:t>
             </a:r>
             <a:r>
-              <a:rPr lang="en-GB" sz="1400" dirty="0">
+              <a:rPr lang="en-GB" sz="1600" dirty="0">
                 <a:solidFill>
                   <a:srgbClr val="00B050"/>
                 </a:solidFill>
@@ -8229,13 +8272,13 @@
               <a:t>Submitted</a:t>
             </a:r>
             <a:r>
-              <a:rPr lang="en-GB" sz="1400" dirty="0">
+              <a:rPr lang="en-GB" sz="1600" dirty="0">
                 <a:latin typeface=".SF NS Text"/>
               </a:rPr>
               <a:t> </a:t>
             </a:r>
             <a:r>
-              <a:rPr lang="en-GB" sz="1400" dirty="0">
+              <a:rPr lang="en-GB" sz="1600" dirty="0">
                 <a:solidFill>
                   <a:srgbClr val="FF0000"/>
                 </a:solidFill>
@@ -8244,31 +8287,31 @@
               <a:t>Ongoing</a:t>
             </a:r>
             <a:br>
-              <a:rPr lang="en-GB" sz="1400" dirty="0">
+              <a:rPr lang="en-GB" sz="1600" dirty="0">
                 <a:latin typeface=".SF NS Text"/>
               </a:rPr>
             </a:br>
             <a:r>
-              <a:rPr lang="en-GB" sz="1400" dirty="0">
+              <a:rPr lang="en-GB" sz="1600" dirty="0">
                 <a:latin typeface=".SF NS Text"/>
               </a:rPr>
               <a:t>2016APV</a:t>
             </a:r>
             <a:r>
-              <a:rPr lang="en-GB" sz="1400" dirty="0">
+              <a:rPr lang="en-GB" sz="1600" dirty="0">
                 <a:latin typeface=".SF NS Text"/>
-                <a:hlinkClick r:id="rId4"/>
+                <a:hlinkClick r:id="rId5"/>
               </a:rPr>
               <a:t>B2G-2020Nov18-00006</a:t>
             </a:r>
             <a:r>
-              <a:rPr lang="en-GB" sz="1400" dirty="0">
+              <a:rPr lang="en-GB" sz="1600" dirty="0">
                 <a:latin typeface=".SF NS Text"/>
               </a:rPr>
               <a:t>   17 samples  </a:t>
             </a:r>
             <a:r>
-              <a:rPr lang="en-GB" sz="1400" dirty="0">
+              <a:rPr lang="en-GB" sz="1600" dirty="0">
                 <a:solidFill>
                   <a:srgbClr val="00B050"/>
                 </a:solidFill>
@@ -8277,13 +8320,13 @@
               <a:t>Submitted</a:t>
             </a:r>
             <a:r>
-              <a:rPr lang="en-GB" sz="1400" dirty="0">
+              <a:rPr lang="en-GB" sz="1600" dirty="0">
                 <a:latin typeface=".SF NS Text"/>
               </a:rPr>
               <a:t> </a:t>
             </a:r>
             <a:r>
-              <a:rPr lang="en-GB" sz="1400" dirty="0">
+              <a:rPr lang="en-GB" sz="1600" dirty="0">
                 <a:solidFill>
                   <a:srgbClr val="00B050"/>
                 </a:solidFill>
@@ -8292,31 +8335,31 @@
               <a:t>DONE</a:t>
             </a:r>
             <a:br>
-              <a:rPr lang="en-GB" sz="1400" dirty="0">
+              <a:rPr lang="en-GB" sz="1600" dirty="0">
                 <a:latin typeface=".SF NS Text"/>
               </a:rPr>
             </a:br>
             <a:r>
-              <a:rPr lang="en-GB" sz="1400" dirty="0">
+              <a:rPr lang="en-GB" sz="1600" dirty="0">
                 <a:latin typeface=".SF NS Text"/>
               </a:rPr>
               <a:t>2017   </a:t>
             </a:r>
             <a:r>
-              <a:rPr lang="en-GB" sz="1400" dirty="0">
+              <a:rPr lang="en-GB" sz="1600" dirty="0">
                 <a:latin typeface=".SF NS Text"/>
-                <a:hlinkClick r:id="rId5"/>
+                <a:hlinkClick r:id="rId6"/>
               </a:rPr>
               <a:t>B2G-2020Nov18-00007</a:t>
             </a:r>
             <a:r>
-              <a:rPr lang="en-GB" sz="1400" dirty="0">
+              <a:rPr lang="en-GB" sz="1600" dirty="0">
                 <a:latin typeface=".SF NS Text"/>
               </a:rPr>
               <a:t>   10 samples  </a:t>
             </a:r>
             <a:r>
-              <a:rPr lang="en-GB" sz="1400" dirty="0">
+              <a:rPr lang="en-GB" sz="1600" dirty="0">
                 <a:solidFill>
                   <a:srgbClr val="00B050"/>
                 </a:solidFill>
@@ -8325,13 +8368,13 @@
               <a:t>Submitted</a:t>
             </a:r>
             <a:r>
-              <a:rPr lang="en-GB" sz="1400" dirty="0">
+              <a:rPr lang="en-GB" sz="1600" dirty="0">
                 <a:latin typeface=".SF NS Text"/>
               </a:rPr>
               <a:t> </a:t>
             </a:r>
             <a:r>
-              <a:rPr lang="en-GB" sz="1400" dirty="0">
+              <a:rPr lang="en-GB" sz="1600" dirty="0">
                 <a:solidFill>
                   <a:srgbClr val="00B050"/>
                 </a:solidFill>
@@ -8340,31 +8383,31 @@
               <a:t>DONE</a:t>
             </a:r>
             <a:br>
-              <a:rPr lang="en-GB" sz="1400" dirty="0">
+              <a:rPr lang="en-GB" sz="1600" dirty="0">
                 <a:latin typeface=".SF NS Text"/>
               </a:rPr>
             </a:br>
             <a:r>
-              <a:rPr lang="en-GB" sz="1400" dirty="0">
+              <a:rPr lang="en-GB" sz="1600" dirty="0">
                 <a:latin typeface=".SF NS Text"/>
               </a:rPr>
               <a:t>2018   </a:t>
             </a:r>
             <a:r>
-              <a:rPr lang="en-GB" sz="1400" dirty="0">
+              <a:rPr lang="en-GB" sz="1600" dirty="0">
                 <a:latin typeface=".SF NS Text"/>
-                <a:hlinkClick r:id="rId6"/>
+                <a:hlinkClick r:id="rId7"/>
               </a:rPr>
               <a:t>B2G-2020Nov18-00008</a:t>
             </a:r>
             <a:r>
-              <a:rPr lang="en-GB" sz="1400" dirty="0">
+              <a:rPr lang="en-GB" sz="1600" dirty="0">
                 <a:latin typeface=".SF NS Text"/>
               </a:rPr>
               <a:t>   10 samples  </a:t>
             </a:r>
             <a:r>
-              <a:rPr lang="en-GB" sz="1400" dirty="0">
+              <a:rPr lang="en-GB" sz="1600" dirty="0">
                 <a:solidFill>
                   <a:srgbClr val="00B050"/>
                 </a:solidFill>
@@ -8373,13 +8416,13 @@
               <a:t>Submitted</a:t>
             </a:r>
             <a:r>
-              <a:rPr lang="en-GB" sz="1400" dirty="0">
+              <a:rPr lang="en-GB" sz="1600" dirty="0">
                 <a:latin typeface=".SF NS Text"/>
               </a:rPr>
               <a:t> </a:t>
             </a:r>
             <a:r>
-              <a:rPr lang="en-GB" sz="1400" dirty="0">
+              <a:rPr lang="en-GB" sz="1600" dirty="0">
                 <a:solidFill>
                   <a:srgbClr val="00B050"/>
                 </a:solidFill>
@@ -8388,95 +8431,95 @@
               <a:t>DONE</a:t>
             </a:r>
             <a:br>
-              <a:rPr lang="en-GB" sz="1400" dirty="0">
+              <a:rPr lang="en-GB" sz="1600" dirty="0">
                 <a:latin typeface=".SF NS Text"/>
               </a:rPr>
             </a:br>
             <a:br>
-              <a:rPr lang="en-GB" sz="1400" dirty="0">
+              <a:rPr lang="en-GB" sz="1600" dirty="0">
                 <a:latin typeface=".SF NS Text"/>
               </a:rPr>
             </a:br>
             <a:r>
-              <a:rPr lang="en-GB" sz="1400" b="1" dirty="0">
+              <a:rPr lang="en-GB" sz="1600" b="1" dirty="0">
                 <a:latin typeface=".SF NS Text"/>
               </a:rPr>
               <a:t>10% and 30% width:</a:t>
             </a:r>
             <a:r>
-              <a:rPr lang="en-GB" sz="1400" dirty="0">
+              <a:rPr lang="en-GB" sz="1600" dirty="0">
                 <a:latin typeface=".SF NS Text"/>
               </a:rPr>
               <a:t> </a:t>
             </a:r>
             <a:r>
-              <a:rPr lang="en-GB" sz="1400" b="1" dirty="0">
+              <a:rPr lang="en-GB" sz="1600" b="1" dirty="0">
                 <a:latin typeface=".SF NS Text"/>
               </a:rPr>
               <a:t>(</a:t>
             </a:r>
             <a:r>
-              <a:rPr lang="en-GB" sz="1400" dirty="0">
+              <a:rPr lang="en-GB" sz="1600" dirty="0">
                 <a:latin typeface=".SF NS Text"/>
               </a:rPr>
               <a:t>dataset name</a:t>
             </a:r>
             <a:r>
-              <a:rPr lang="en-GB" sz="1400" b="1" dirty="0">
+              <a:rPr lang="en-GB" sz="1600" b="1" dirty="0">
                 <a:latin typeface=".SF NS Text"/>
               </a:rPr>
               <a:t>:</a:t>
             </a:r>
             <a:r>
-              <a:rPr lang="en-GB" sz="1400" dirty="0">
+              <a:rPr lang="en-GB" sz="1600" dirty="0">
                 <a:latin typeface=".SF NS Text"/>
               </a:rPr>
               <a:t> </a:t>
             </a:r>
             <a:r>
-              <a:rPr lang="en-GB" sz="1400" dirty="0" err="1">
+              <a:rPr lang="en-GB" sz="1600" dirty="0" err="1">
                 <a:latin typeface=".SF NS Text"/>
               </a:rPr>
               <a:t>ZPrimeToTT_M</a:t>
             </a:r>
             <a:r>
-              <a:rPr lang="en-GB" sz="1400" dirty="0">
+              <a:rPr lang="en-GB" sz="1600" dirty="0">
                 <a:latin typeface=".SF NS Text"/>
               </a:rPr>
               <a:t>*_TuneCP2_13TeV-madgraph-pythia8</a:t>
             </a:r>
             <a:r>
-              <a:rPr lang="en-GB" sz="1400" b="1" dirty="0">
+              <a:rPr lang="en-GB" sz="1600" b="1" dirty="0">
                 <a:latin typeface=".SF NS Text"/>
               </a:rPr>
               <a:t>)</a:t>
             </a:r>
             <a:br>
-              <a:rPr lang="en-GB" sz="1400" dirty="0">
+              <a:rPr lang="en-GB" sz="1600" dirty="0">
                 <a:latin typeface=".SF NS Text"/>
               </a:rPr>
             </a:br>
             <a:r>
-              <a:rPr lang="en-GB" sz="1400" dirty="0">
+              <a:rPr lang="en-GB" sz="1600" dirty="0">
                 <a:latin typeface=".SF NS Text"/>
               </a:rPr>
               <a:t>2016 </a:t>
             </a:r>
             <a:r>
-              <a:rPr lang="en-GB" sz="1400" dirty="0">
+              <a:rPr lang="en-GB" sz="1600" dirty="0">
                 <a:latin typeface=".SF NS Text"/>
-                <a:hlinkClick r:id="rId7"/>
+                <a:hlinkClick r:id="rId8"/>
               </a:rPr>
               <a:t>B2G-2021Feb17-00002</a:t>
             </a:r>
             <a:r>
-              <a:rPr lang="en-GB" sz="1400" dirty="0">
+              <a:rPr lang="en-GB" sz="1600" dirty="0">
                 <a:latin typeface=".SF NS Text"/>
               </a:rPr>
               <a:t> 34 samples  </a:t>
             </a:r>
             <a:r>
-              <a:rPr lang="en-GB" sz="1400" dirty="0">
+              <a:rPr lang="en-GB" sz="1600" dirty="0">
                 <a:solidFill>
                   <a:srgbClr val="00B050"/>
                 </a:solidFill>
@@ -8485,13 +8528,13 @@
               <a:t>Submitted</a:t>
             </a:r>
             <a:r>
-              <a:rPr lang="en-GB" sz="1400" dirty="0">
+              <a:rPr lang="en-GB" sz="1600" dirty="0">
                 <a:latin typeface=".SF NS Text"/>
               </a:rPr>
               <a:t> </a:t>
             </a:r>
             <a:r>
-              <a:rPr lang="en-GB" sz="1400" dirty="0">
+              <a:rPr lang="en-GB" sz="1600" dirty="0">
                 <a:solidFill>
                   <a:srgbClr val="FF0000"/>
                 </a:solidFill>
@@ -8500,31 +8543,31 @@
               <a:t>Ongoing</a:t>
             </a:r>
             <a:br>
-              <a:rPr lang="en-GB" sz="1400" dirty="0">
+              <a:rPr lang="en-GB" sz="1600" dirty="0">
                 <a:latin typeface=".SF NS Text"/>
               </a:rPr>
             </a:br>
             <a:r>
-              <a:rPr lang="en-GB" sz="1400" dirty="0">
+              <a:rPr lang="en-GB" sz="1600" dirty="0">
                 <a:latin typeface=".SF NS Text"/>
               </a:rPr>
-              <a:t>2016 </a:t>
-            </a:r>
-            <a:r>
-              <a:rPr lang="en-GB" sz="1400" dirty="0">
+              <a:t>2016 APV </a:t>
+            </a:r>
+            <a:r>
+              <a:rPr lang="en-GB" sz="1600" dirty="0">
                 <a:latin typeface=".SF NS Text"/>
-                <a:hlinkClick r:id="rId7"/>
+                <a:hlinkClick r:id="rId8"/>
               </a:rPr>
               <a:t>B2G-2021Feb17-00004</a:t>
             </a:r>
             <a:r>
-              <a:rPr lang="en-GB" sz="1400" dirty="0">
+              <a:rPr lang="en-GB" sz="1600" dirty="0">
                 <a:latin typeface=".SF NS Text"/>
               </a:rPr>
               <a:t> 34 samples  </a:t>
             </a:r>
             <a:r>
-              <a:rPr lang="en-GB" sz="1400" dirty="0">
+              <a:rPr lang="en-GB" sz="1600" dirty="0">
                 <a:solidFill>
                   <a:srgbClr val="00B050"/>
                 </a:solidFill>
@@ -8533,13 +8576,13 @@
               <a:t>Submitted</a:t>
             </a:r>
             <a:r>
-              <a:rPr lang="en-GB" sz="1400" dirty="0">
+              <a:rPr lang="en-GB" sz="1600" dirty="0">
                 <a:latin typeface=".SF NS Text"/>
               </a:rPr>
               <a:t> </a:t>
             </a:r>
             <a:r>
-              <a:rPr lang="en-GB" sz="1400" dirty="0">
+              <a:rPr lang="en-GB" sz="1600" dirty="0">
                 <a:solidFill>
                   <a:srgbClr val="FF0000"/>
                 </a:solidFill>
@@ -8548,31 +8591,31 @@
               <a:t>Ongoing</a:t>
             </a:r>
             <a:br>
-              <a:rPr lang="en-GB" sz="1400" dirty="0">
+              <a:rPr lang="en-GB" sz="1600" dirty="0">
                 <a:latin typeface=".SF NS Text"/>
               </a:rPr>
             </a:br>
             <a:r>
-              <a:rPr lang="en-GB" sz="1400" dirty="0">
+              <a:rPr lang="en-GB" sz="1600" dirty="0">
                 <a:latin typeface=".SF NS Text"/>
               </a:rPr>
               <a:t>2016 </a:t>
             </a:r>
             <a:r>
-              <a:rPr lang="en-GB" sz="1400" dirty="0">
+              <a:rPr lang="en-GB" sz="1600" dirty="0">
                 <a:latin typeface=".SF NS Text"/>
-                <a:hlinkClick r:id="rId7"/>
+                <a:hlinkClick r:id="rId8"/>
               </a:rPr>
               <a:t>B2G-2021Feb17-00006</a:t>
             </a:r>
             <a:r>
-              <a:rPr lang="en-GB" sz="1400" dirty="0">
+              <a:rPr lang="en-GB" sz="1600" dirty="0">
                 <a:latin typeface=".SF NS Text"/>
               </a:rPr>
               <a:t> 34 samples  </a:t>
             </a:r>
             <a:r>
-              <a:rPr lang="en-GB" sz="1400" dirty="0">
+              <a:rPr lang="en-GB" sz="1600" dirty="0">
                 <a:solidFill>
                   <a:srgbClr val="00B050"/>
                 </a:solidFill>
@@ -8581,13 +8624,13 @@
               <a:t>Submitted</a:t>
             </a:r>
             <a:r>
-              <a:rPr lang="en-GB" sz="1400" dirty="0">
+              <a:rPr lang="en-GB" sz="1600" dirty="0">
                 <a:latin typeface=".SF NS Text"/>
               </a:rPr>
               <a:t> </a:t>
             </a:r>
             <a:r>
-              <a:rPr lang="en-GB" sz="1400" dirty="0">
+              <a:rPr lang="en-GB" sz="1600" dirty="0">
                 <a:solidFill>
                   <a:srgbClr val="FF0000"/>
                 </a:solidFill>
@@ -8596,31 +8639,31 @@
               <a:t>Ongoing</a:t>
             </a:r>
             <a:br>
-              <a:rPr lang="en-GB" sz="1400" dirty="0">
+              <a:rPr lang="en-GB" sz="1600" dirty="0">
                 <a:latin typeface=".SF NS Text"/>
               </a:rPr>
             </a:br>
             <a:r>
-              <a:rPr lang="en-GB" sz="1400" dirty="0">
+              <a:rPr lang="en-GB" sz="1600" dirty="0">
                 <a:latin typeface=".SF NS Text"/>
               </a:rPr>
               <a:t>2016 </a:t>
             </a:r>
             <a:r>
-              <a:rPr lang="en-GB" sz="1400" dirty="0">
+              <a:rPr lang="en-GB" sz="1600" dirty="0">
                 <a:latin typeface=".SF NS Text"/>
-                <a:hlinkClick r:id="rId7"/>
+                <a:hlinkClick r:id="rId8"/>
               </a:rPr>
               <a:t>B2G-2021Feb17-00008</a:t>
             </a:r>
             <a:r>
-              <a:rPr lang="en-GB" sz="1400" dirty="0">
+              <a:rPr lang="en-GB" sz="1600" dirty="0">
                 <a:latin typeface=".SF NS Text"/>
               </a:rPr>
               <a:t> 34 samples  </a:t>
             </a:r>
             <a:r>
-              <a:rPr lang="en-GB" sz="1400" dirty="0">
+              <a:rPr lang="en-GB" sz="1600" dirty="0">
                 <a:solidFill>
                   <a:srgbClr val="00B050"/>
                 </a:solidFill>
@@ -8629,13 +8672,13 @@
               <a:t>Submitted</a:t>
             </a:r>
             <a:r>
-              <a:rPr lang="en-GB" sz="1400" dirty="0">
+              <a:rPr lang="en-GB" sz="1600" dirty="0">
                 <a:latin typeface=".SF NS Text"/>
               </a:rPr>
               <a:t> </a:t>
             </a:r>
             <a:r>
-              <a:rPr lang="en-GB" sz="1400" dirty="0">
+              <a:rPr lang="en-GB" sz="1600" dirty="0">
                 <a:solidFill>
                   <a:srgbClr val="FF0000"/>
                 </a:solidFill>
@@ -8643,7 +8686,7 @@
               </a:rPr>
               <a:t>Ongoing</a:t>
             </a:r>
-            <a:endParaRPr lang="en-GR" sz="1400" dirty="0">
+            <a:endParaRPr lang="en-GR" sz="1600" dirty="0">
               <a:solidFill>
                 <a:srgbClr val="FF0000"/>
               </a:solidFill>
